--- a/Introduction to Databases Checkpoint.pptx
+++ b/Introduction to Databases Checkpoint.pptx
@@ -5954,6 +5954,18 @@
   <p:clrMapOvr>
     <a:masterClrMapping/>
   </p:clrMapOvr>
+  <mc:AlternateContent xmlns:mc="http://schemas.openxmlformats.org/markup-compatibility/2006">
+    <mc:Choice xmlns:p14="http://schemas.microsoft.com/office/powerpoint/2010/main" Requires="p14">
+      <p:transition spd="slow" p14:dur="1600">
+        <p:blinds dir="vert"/>
+      </p:transition>
+    </mc:Choice>
+    <mc:Fallback>
+      <p:transition spd="slow">
+        <p:blinds dir="vert"/>
+      </p:transition>
+    </mc:Fallback>
+  </mc:AlternateContent>
   <p:timing>
     <p:tnLst>
       <p:par>
@@ -6043,6 +6055,18 @@
   <p:clrMapOvr>
     <a:masterClrMapping/>
   </p:clrMapOvr>
+  <mc:AlternateContent xmlns:mc="http://schemas.openxmlformats.org/markup-compatibility/2006">
+    <mc:Choice xmlns:p14="http://schemas.microsoft.com/office/powerpoint/2010/main" Requires="p14">
+      <p:transition spd="slow" p14:dur="1600">
+        <p14:prism isContent="1" isInverted="1"/>
+      </p:transition>
+    </mc:Choice>
+    <mc:Fallback>
+      <p:transition spd="slow">
+        <p:fade/>
+      </p:transition>
+    </mc:Fallback>
+  </mc:AlternateContent>
   <p:timing>
     <p:tnLst>
       <p:par>
@@ -6133,6 +6157,18 @@
   <p:clrMapOvr>
     <a:masterClrMapping/>
   </p:clrMapOvr>
+  <mc:AlternateContent xmlns:mc="http://schemas.openxmlformats.org/markup-compatibility/2006">
+    <mc:Choice xmlns:p14="http://schemas.microsoft.com/office/powerpoint/2010/main" Requires="p14">
+      <p:transition spd="slow" p14:dur="1600">
+        <p14:prism isContent="1" isInverted="1"/>
+      </p:transition>
+    </mc:Choice>
+    <mc:Fallback>
+      <p:transition spd="slow">
+        <p:fade/>
+      </p:transition>
+    </mc:Fallback>
+  </mc:AlternateContent>
   <p:timing>
     <p:tnLst>
       <p:par>
@@ -6439,6 +6475,18 @@
   <p:clrMapOvr>
     <a:masterClrMapping/>
   </p:clrMapOvr>
+  <mc:AlternateContent xmlns:mc="http://schemas.openxmlformats.org/markup-compatibility/2006">
+    <mc:Choice xmlns:p14="http://schemas.microsoft.com/office/powerpoint/2010/main" Requires="p14">
+      <p:transition spd="slow" p14:dur="2000">
+        <p14:prism isContent="1"/>
+      </p:transition>
+    </mc:Choice>
+    <mc:Fallback>
+      <p:transition spd="slow">
+        <p:fade/>
+      </p:transition>
+    </mc:Fallback>
+  </mc:AlternateContent>
   <p:timing>
     <p:tnLst>
       <p:par>
@@ -6539,14 +6587,14 @@
   <p:clrMapOvr>
     <a:masterClrMapping/>
   </p:clrMapOvr>
-  <mc:AlternateContent xmlns:mc="http://schemas.openxmlformats.org/markup-compatibility/2006" xmlns:p14="http://schemas.microsoft.com/office/powerpoint/2010/main">
-    <mc:Choice Requires="p14">
-      <p:transition spd="med" p14:dur="700">
-        <p:fade/>
+  <mc:AlternateContent xmlns:mc="http://schemas.openxmlformats.org/markup-compatibility/2006">
+    <mc:Choice xmlns:p14="http://schemas.microsoft.com/office/powerpoint/2010/main" Requires="p14">
+      <p:transition spd="slow" p14:dur="1600">
+        <p14:conveyor dir="l"/>
       </p:transition>
     </mc:Choice>
-    <mc:Fallback xmlns="">
-      <p:transition spd="med">
+    <mc:Fallback>
+      <p:transition spd="slow">
         <p:fade/>
       </p:transition>
     </mc:Fallback>
@@ -18960,12 +19008,389 @@
   <p:clrMapOvr>
     <a:masterClrMapping/>
   </p:clrMapOvr>
+  <p:transition spd="slow">
+    <p:push dir="u"/>
+  </p:transition>
   <p:timing>
     <p:tnLst>
       <p:par>
-        <p:cTn id="1" dur="indefinite" restart="never" nodeType="tmRoot"/>
+        <p:cTn id="1" dur="indefinite" restart="never" nodeType="tmRoot">
+          <p:childTnLst>
+            <p:seq concurrent="1" nextAc="seek">
+              <p:cTn id="2" dur="indefinite" nodeType="mainSeq">
+                <p:childTnLst>
+                  <p:par>
+                    <p:cTn id="3" fill="hold">
+                      <p:stCondLst>
+                        <p:cond delay="indefinite"/>
+                        <p:cond evt="onBegin" delay="0">
+                          <p:tn val="2"/>
+                        </p:cond>
+                      </p:stCondLst>
+                      <p:childTnLst>
+                        <p:par>
+                          <p:cTn id="4" fill="hold">
+                            <p:stCondLst>
+                              <p:cond delay="0"/>
+                            </p:stCondLst>
+                            <p:childTnLst>
+                              <p:par>
+                                <p:cTn id="5" presetID="42" presetClass="entr" presetSubtype="0" fill="hold" grpId="0" nodeType="withEffect">
+                                  <p:stCondLst>
+                                    <p:cond delay="0"/>
+                                  </p:stCondLst>
+                                  <p:childTnLst>
+                                    <p:set>
+                                      <p:cBhvr>
+                                        <p:cTn id="6" dur="1" fill="hold">
+                                          <p:stCondLst>
+                                            <p:cond delay="0"/>
+                                          </p:stCondLst>
+                                        </p:cTn>
+                                        <p:tgtEl>
+                                          <p:spTgt spid="206"/>
+                                        </p:tgtEl>
+                                        <p:attrNameLst>
+                                          <p:attrName>style.visibility</p:attrName>
+                                        </p:attrNameLst>
+                                      </p:cBhvr>
+                                      <p:to>
+                                        <p:strVal val="visible"/>
+                                      </p:to>
+                                    </p:set>
+                                    <p:animEffect transition="in" filter="fade">
+                                      <p:cBhvr>
+                                        <p:cTn id="7" dur="1000"/>
+                                        <p:tgtEl>
+                                          <p:spTgt spid="206"/>
+                                        </p:tgtEl>
+                                      </p:cBhvr>
+                                    </p:animEffect>
+                                    <p:anim calcmode="lin" valueType="num">
+                                      <p:cBhvr>
+                                        <p:cTn id="8" dur="1000" fill="hold"/>
+                                        <p:tgtEl>
+                                          <p:spTgt spid="206"/>
+                                        </p:tgtEl>
+                                        <p:attrNameLst>
+                                          <p:attrName>ppt_x</p:attrName>
+                                        </p:attrNameLst>
+                                      </p:cBhvr>
+                                      <p:tavLst>
+                                        <p:tav tm="0">
+                                          <p:val>
+                                            <p:strVal val="#ppt_x"/>
+                                          </p:val>
+                                        </p:tav>
+                                        <p:tav tm="100000">
+                                          <p:val>
+                                            <p:strVal val="#ppt_x"/>
+                                          </p:val>
+                                        </p:tav>
+                                      </p:tavLst>
+                                    </p:anim>
+                                    <p:anim calcmode="lin" valueType="num">
+                                      <p:cBhvr>
+                                        <p:cTn id="9" dur="1000" fill="hold"/>
+                                        <p:tgtEl>
+                                          <p:spTgt spid="206"/>
+                                        </p:tgtEl>
+                                        <p:attrNameLst>
+                                          <p:attrName>ppt_y</p:attrName>
+                                        </p:attrNameLst>
+                                      </p:cBhvr>
+                                      <p:tavLst>
+                                        <p:tav tm="0">
+                                          <p:val>
+                                            <p:strVal val="#ppt_y+.1"/>
+                                          </p:val>
+                                        </p:tav>
+                                        <p:tav tm="100000">
+                                          <p:val>
+                                            <p:strVal val="#ppt_y"/>
+                                          </p:val>
+                                        </p:tav>
+                                      </p:tavLst>
+                                    </p:anim>
+                                  </p:childTnLst>
+                                </p:cTn>
+                              </p:par>
+                              <p:par>
+                                <p:cTn id="10" presetID="42" presetClass="entr" presetSubtype="0" fill="hold" grpId="0" nodeType="withEffect">
+                                  <p:stCondLst>
+                                    <p:cond delay="0"/>
+                                  </p:stCondLst>
+                                  <p:childTnLst>
+                                    <p:set>
+                                      <p:cBhvr>
+                                        <p:cTn id="11" dur="1" fill="hold">
+                                          <p:stCondLst>
+                                            <p:cond delay="0"/>
+                                          </p:stCondLst>
+                                        </p:cTn>
+                                        <p:tgtEl>
+                                          <p:spTgt spid="207"/>
+                                        </p:tgtEl>
+                                        <p:attrNameLst>
+                                          <p:attrName>style.visibility</p:attrName>
+                                        </p:attrNameLst>
+                                      </p:cBhvr>
+                                      <p:to>
+                                        <p:strVal val="visible"/>
+                                      </p:to>
+                                    </p:set>
+                                    <p:animEffect transition="in" filter="fade">
+                                      <p:cBhvr>
+                                        <p:cTn id="12" dur="1000"/>
+                                        <p:tgtEl>
+                                          <p:spTgt spid="207"/>
+                                        </p:tgtEl>
+                                      </p:cBhvr>
+                                    </p:animEffect>
+                                    <p:anim calcmode="lin" valueType="num">
+                                      <p:cBhvr>
+                                        <p:cTn id="13" dur="1000" fill="hold"/>
+                                        <p:tgtEl>
+                                          <p:spTgt spid="207"/>
+                                        </p:tgtEl>
+                                        <p:attrNameLst>
+                                          <p:attrName>ppt_x</p:attrName>
+                                        </p:attrNameLst>
+                                      </p:cBhvr>
+                                      <p:tavLst>
+                                        <p:tav tm="0">
+                                          <p:val>
+                                            <p:strVal val="#ppt_x"/>
+                                          </p:val>
+                                        </p:tav>
+                                        <p:tav tm="100000">
+                                          <p:val>
+                                            <p:strVal val="#ppt_x"/>
+                                          </p:val>
+                                        </p:tav>
+                                      </p:tavLst>
+                                    </p:anim>
+                                    <p:anim calcmode="lin" valueType="num">
+                                      <p:cBhvr>
+                                        <p:cTn id="14" dur="1000" fill="hold"/>
+                                        <p:tgtEl>
+                                          <p:spTgt spid="207"/>
+                                        </p:tgtEl>
+                                        <p:attrNameLst>
+                                          <p:attrName>ppt_y</p:attrName>
+                                        </p:attrNameLst>
+                                      </p:cBhvr>
+                                      <p:tavLst>
+                                        <p:tav tm="0">
+                                          <p:val>
+                                            <p:strVal val="#ppt_y+.1"/>
+                                          </p:val>
+                                        </p:tav>
+                                        <p:tav tm="100000">
+                                          <p:val>
+                                            <p:strVal val="#ppt_y"/>
+                                          </p:val>
+                                        </p:tav>
+                                      </p:tavLst>
+                                    </p:anim>
+                                  </p:childTnLst>
+                                </p:cTn>
+                              </p:par>
+                              <p:par>
+                                <p:cTn id="15" presetID="42" presetClass="entr" presetSubtype="0" fill="hold" grpId="0" nodeType="withEffect">
+                                  <p:stCondLst>
+                                    <p:cond delay="0"/>
+                                  </p:stCondLst>
+                                  <p:childTnLst>
+                                    <p:set>
+                                      <p:cBhvr>
+                                        <p:cTn id="16" dur="1" fill="hold">
+                                          <p:stCondLst>
+                                            <p:cond delay="0"/>
+                                          </p:stCondLst>
+                                        </p:cTn>
+                                        <p:tgtEl>
+                                          <p:spTgt spid="89"/>
+                                        </p:tgtEl>
+                                        <p:attrNameLst>
+                                          <p:attrName>style.visibility</p:attrName>
+                                        </p:attrNameLst>
+                                      </p:cBhvr>
+                                      <p:to>
+                                        <p:strVal val="visible"/>
+                                      </p:to>
+                                    </p:set>
+                                    <p:animEffect transition="in" filter="fade">
+                                      <p:cBhvr>
+                                        <p:cTn id="17" dur="1000"/>
+                                        <p:tgtEl>
+                                          <p:spTgt spid="89"/>
+                                        </p:tgtEl>
+                                      </p:cBhvr>
+                                    </p:animEffect>
+                                    <p:anim calcmode="lin" valueType="num">
+                                      <p:cBhvr>
+                                        <p:cTn id="18" dur="1000" fill="hold"/>
+                                        <p:tgtEl>
+                                          <p:spTgt spid="89"/>
+                                        </p:tgtEl>
+                                        <p:attrNameLst>
+                                          <p:attrName>ppt_x</p:attrName>
+                                        </p:attrNameLst>
+                                      </p:cBhvr>
+                                      <p:tavLst>
+                                        <p:tav tm="0">
+                                          <p:val>
+                                            <p:strVal val="#ppt_x"/>
+                                          </p:val>
+                                        </p:tav>
+                                        <p:tav tm="100000">
+                                          <p:val>
+                                            <p:strVal val="#ppt_x"/>
+                                          </p:val>
+                                        </p:tav>
+                                      </p:tavLst>
+                                    </p:anim>
+                                    <p:anim calcmode="lin" valueType="num">
+                                      <p:cBhvr>
+                                        <p:cTn id="19" dur="1000" fill="hold"/>
+                                        <p:tgtEl>
+                                          <p:spTgt spid="89"/>
+                                        </p:tgtEl>
+                                        <p:attrNameLst>
+                                          <p:attrName>ppt_y</p:attrName>
+                                        </p:attrNameLst>
+                                      </p:cBhvr>
+                                      <p:tavLst>
+                                        <p:tav tm="0">
+                                          <p:val>
+                                            <p:strVal val="#ppt_y+.1"/>
+                                          </p:val>
+                                        </p:tav>
+                                        <p:tav tm="100000">
+                                          <p:val>
+                                            <p:strVal val="#ppt_y"/>
+                                          </p:val>
+                                        </p:tav>
+                                      </p:tavLst>
+                                    </p:anim>
+                                  </p:childTnLst>
+                                </p:cTn>
+                              </p:par>
+                              <p:par>
+                                <p:cTn id="20" presetID="42" presetClass="entr" presetSubtype="0" fill="hold" grpId="0" nodeType="withEffect">
+                                  <p:stCondLst>
+                                    <p:cond delay="0"/>
+                                  </p:stCondLst>
+                                  <p:childTnLst>
+                                    <p:set>
+                                      <p:cBhvr>
+                                        <p:cTn id="21" dur="1" fill="hold">
+                                          <p:stCondLst>
+                                            <p:cond delay="0"/>
+                                          </p:stCondLst>
+                                        </p:cTn>
+                                        <p:tgtEl>
+                                          <p:spTgt spid="205"/>
+                                        </p:tgtEl>
+                                        <p:attrNameLst>
+                                          <p:attrName>style.visibility</p:attrName>
+                                        </p:attrNameLst>
+                                      </p:cBhvr>
+                                      <p:to>
+                                        <p:strVal val="visible"/>
+                                      </p:to>
+                                    </p:set>
+                                    <p:animEffect transition="in" filter="fade">
+                                      <p:cBhvr>
+                                        <p:cTn id="22" dur="1000"/>
+                                        <p:tgtEl>
+                                          <p:spTgt spid="205"/>
+                                        </p:tgtEl>
+                                      </p:cBhvr>
+                                    </p:animEffect>
+                                    <p:anim calcmode="lin" valueType="num">
+                                      <p:cBhvr>
+                                        <p:cTn id="23" dur="1000" fill="hold"/>
+                                        <p:tgtEl>
+                                          <p:spTgt spid="205"/>
+                                        </p:tgtEl>
+                                        <p:attrNameLst>
+                                          <p:attrName>ppt_x</p:attrName>
+                                        </p:attrNameLst>
+                                      </p:cBhvr>
+                                      <p:tavLst>
+                                        <p:tav tm="0">
+                                          <p:val>
+                                            <p:strVal val="#ppt_x"/>
+                                          </p:val>
+                                        </p:tav>
+                                        <p:tav tm="100000">
+                                          <p:val>
+                                            <p:strVal val="#ppt_x"/>
+                                          </p:val>
+                                        </p:tav>
+                                      </p:tavLst>
+                                    </p:anim>
+                                    <p:anim calcmode="lin" valueType="num">
+                                      <p:cBhvr>
+                                        <p:cTn id="24" dur="1000" fill="hold"/>
+                                        <p:tgtEl>
+                                          <p:spTgt spid="205"/>
+                                        </p:tgtEl>
+                                        <p:attrNameLst>
+                                          <p:attrName>ppt_y</p:attrName>
+                                        </p:attrNameLst>
+                                      </p:cBhvr>
+                                      <p:tavLst>
+                                        <p:tav tm="0">
+                                          <p:val>
+                                            <p:strVal val="#ppt_y+.1"/>
+                                          </p:val>
+                                        </p:tav>
+                                        <p:tav tm="100000">
+                                          <p:val>
+                                            <p:strVal val="#ppt_y"/>
+                                          </p:val>
+                                        </p:tav>
+                                      </p:tavLst>
+                                    </p:anim>
+                                  </p:childTnLst>
+                                </p:cTn>
+                              </p:par>
+                            </p:childTnLst>
+                          </p:cTn>
+                        </p:par>
+                      </p:childTnLst>
+                    </p:cTn>
+                  </p:par>
+                </p:childTnLst>
+              </p:cTn>
+              <p:prevCondLst>
+                <p:cond evt="onPrev" delay="0">
+                  <p:tgtEl>
+                    <p:sldTgt/>
+                  </p:tgtEl>
+                </p:cond>
+              </p:prevCondLst>
+              <p:nextCondLst>
+                <p:cond evt="onNext" delay="0">
+                  <p:tgtEl>
+                    <p:sldTgt/>
+                  </p:tgtEl>
+                </p:cond>
+              </p:nextCondLst>
+            </p:seq>
+          </p:childTnLst>
+        </p:cTn>
       </p:par>
     </p:tnLst>
+    <p:bldLst>
+      <p:bldP spid="205" grpId="0" animBg="1"/>
+      <p:bldP spid="206" grpId="0" animBg="1"/>
+      <p:bldP spid="207" grpId="0" animBg="1"/>
+      <p:bldP spid="89" grpId="0" animBg="1"/>
+    </p:bldLst>
   </p:timing>
 </p:sld>
 </file>
@@ -19997,6 +20422,18 @@
   <p:clrMapOvr>
     <a:masterClrMapping/>
   </p:clrMapOvr>
+  <mc:AlternateContent xmlns:mc="http://schemas.openxmlformats.org/markup-compatibility/2006">
+    <mc:Choice xmlns:p14="http://schemas.microsoft.com/office/powerpoint/2010/main" Requires="p14">
+      <p:transition spd="slow" p14:dur="900">
+        <p14:warp dir="in"/>
+      </p:transition>
+    </mc:Choice>
+    <mc:Fallback>
+      <p:transition spd="slow">
+        <p:fade/>
+      </p:transition>
+    </mc:Fallback>
+  </mc:AlternateContent>
   <p:timing>
     <p:tnLst>
       <p:par>
@@ -32413,9 +32850,383 @@
   <p:timing>
     <p:tnLst>
       <p:par>
-        <p:cTn id="1" dur="indefinite" restart="never" nodeType="tmRoot"/>
+        <p:cTn id="1" dur="indefinite" restart="never" nodeType="tmRoot">
+          <p:childTnLst>
+            <p:seq concurrent="1" nextAc="seek">
+              <p:cTn id="2" dur="indefinite" nodeType="mainSeq">
+                <p:childTnLst>
+                  <p:par>
+                    <p:cTn id="3" fill="hold">
+                      <p:stCondLst>
+                        <p:cond delay="indefinite"/>
+                        <p:cond evt="onBegin" delay="0">
+                          <p:tn val="2"/>
+                        </p:cond>
+                      </p:stCondLst>
+                      <p:childTnLst>
+                        <p:par>
+                          <p:cTn id="4" fill="hold">
+                            <p:stCondLst>
+                              <p:cond delay="0"/>
+                            </p:stCondLst>
+                            <p:childTnLst>
+                              <p:par>
+                                <p:cTn id="5" presetID="42" presetClass="entr" presetSubtype="0" fill="hold" grpId="0" nodeType="withEffect">
+                                  <p:stCondLst>
+                                    <p:cond delay="0"/>
+                                  </p:stCondLst>
+                                  <p:childTnLst>
+                                    <p:set>
+                                      <p:cBhvr>
+                                        <p:cTn id="6" dur="1" fill="hold">
+                                          <p:stCondLst>
+                                            <p:cond delay="0"/>
+                                          </p:stCondLst>
+                                        </p:cTn>
+                                        <p:tgtEl>
+                                          <p:spTgt spid="206"/>
+                                        </p:tgtEl>
+                                        <p:attrNameLst>
+                                          <p:attrName>style.visibility</p:attrName>
+                                        </p:attrNameLst>
+                                      </p:cBhvr>
+                                      <p:to>
+                                        <p:strVal val="visible"/>
+                                      </p:to>
+                                    </p:set>
+                                    <p:animEffect transition="in" filter="fade">
+                                      <p:cBhvr>
+                                        <p:cTn id="7" dur="1000"/>
+                                        <p:tgtEl>
+                                          <p:spTgt spid="206"/>
+                                        </p:tgtEl>
+                                      </p:cBhvr>
+                                    </p:animEffect>
+                                    <p:anim calcmode="lin" valueType="num">
+                                      <p:cBhvr>
+                                        <p:cTn id="8" dur="1000" fill="hold"/>
+                                        <p:tgtEl>
+                                          <p:spTgt spid="206"/>
+                                        </p:tgtEl>
+                                        <p:attrNameLst>
+                                          <p:attrName>ppt_x</p:attrName>
+                                        </p:attrNameLst>
+                                      </p:cBhvr>
+                                      <p:tavLst>
+                                        <p:tav tm="0">
+                                          <p:val>
+                                            <p:strVal val="#ppt_x"/>
+                                          </p:val>
+                                        </p:tav>
+                                        <p:tav tm="100000">
+                                          <p:val>
+                                            <p:strVal val="#ppt_x"/>
+                                          </p:val>
+                                        </p:tav>
+                                      </p:tavLst>
+                                    </p:anim>
+                                    <p:anim calcmode="lin" valueType="num">
+                                      <p:cBhvr>
+                                        <p:cTn id="9" dur="1000" fill="hold"/>
+                                        <p:tgtEl>
+                                          <p:spTgt spid="206"/>
+                                        </p:tgtEl>
+                                        <p:attrNameLst>
+                                          <p:attrName>ppt_y</p:attrName>
+                                        </p:attrNameLst>
+                                      </p:cBhvr>
+                                      <p:tavLst>
+                                        <p:tav tm="0">
+                                          <p:val>
+                                            <p:strVal val="#ppt_y+.1"/>
+                                          </p:val>
+                                        </p:tav>
+                                        <p:tav tm="100000">
+                                          <p:val>
+                                            <p:strVal val="#ppt_y"/>
+                                          </p:val>
+                                        </p:tav>
+                                      </p:tavLst>
+                                    </p:anim>
+                                  </p:childTnLst>
+                                </p:cTn>
+                              </p:par>
+                              <p:par>
+                                <p:cTn id="10" presetID="42" presetClass="entr" presetSubtype="0" fill="hold" grpId="0" nodeType="withEffect">
+                                  <p:stCondLst>
+                                    <p:cond delay="0"/>
+                                  </p:stCondLst>
+                                  <p:childTnLst>
+                                    <p:set>
+                                      <p:cBhvr>
+                                        <p:cTn id="11" dur="1" fill="hold">
+                                          <p:stCondLst>
+                                            <p:cond delay="0"/>
+                                          </p:stCondLst>
+                                        </p:cTn>
+                                        <p:tgtEl>
+                                          <p:spTgt spid="207"/>
+                                        </p:tgtEl>
+                                        <p:attrNameLst>
+                                          <p:attrName>style.visibility</p:attrName>
+                                        </p:attrNameLst>
+                                      </p:cBhvr>
+                                      <p:to>
+                                        <p:strVal val="visible"/>
+                                      </p:to>
+                                    </p:set>
+                                    <p:animEffect transition="in" filter="fade">
+                                      <p:cBhvr>
+                                        <p:cTn id="12" dur="1000"/>
+                                        <p:tgtEl>
+                                          <p:spTgt spid="207"/>
+                                        </p:tgtEl>
+                                      </p:cBhvr>
+                                    </p:animEffect>
+                                    <p:anim calcmode="lin" valueType="num">
+                                      <p:cBhvr>
+                                        <p:cTn id="13" dur="1000" fill="hold"/>
+                                        <p:tgtEl>
+                                          <p:spTgt spid="207"/>
+                                        </p:tgtEl>
+                                        <p:attrNameLst>
+                                          <p:attrName>ppt_x</p:attrName>
+                                        </p:attrNameLst>
+                                      </p:cBhvr>
+                                      <p:tavLst>
+                                        <p:tav tm="0">
+                                          <p:val>
+                                            <p:strVal val="#ppt_x"/>
+                                          </p:val>
+                                        </p:tav>
+                                        <p:tav tm="100000">
+                                          <p:val>
+                                            <p:strVal val="#ppt_x"/>
+                                          </p:val>
+                                        </p:tav>
+                                      </p:tavLst>
+                                    </p:anim>
+                                    <p:anim calcmode="lin" valueType="num">
+                                      <p:cBhvr>
+                                        <p:cTn id="14" dur="1000" fill="hold"/>
+                                        <p:tgtEl>
+                                          <p:spTgt spid="207"/>
+                                        </p:tgtEl>
+                                        <p:attrNameLst>
+                                          <p:attrName>ppt_y</p:attrName>
+                                        </p:attrNameLst>
+                                      </p:cBhvr>
+                                      <p:tavLst>
+                                        <p:tav tm="0">
+                                          <p:val>
+                                            <p:strVal val="#ppt_y+.1"/>
+                                          </p:val>
+                                        </p:tav>
+                                        <p:tav tm="100000">
+                                          <p:val>
+                                            <p:strVal val="#ppt_y"/>
+                                          </p:val>
+                                        </p:tav>
+                                      </p:tavLst>
+                                    </p:anim>
+                                  </p:childTnLst>
+                                </p:cTn>
+                              </p:par>
+                              <p:par>
+                                <p:cTn id="15" presetID="42" presetClass="entr" presetSubtype="0" fill="hold" grpId="0" nodeType="withEffect">
+                                  <p:stCondLst>
+                                    <p:cond delay="0"/>
+                                  </p:stCondLst>
+                                  <p:childTnLst>
+                                    <p:set>
+                                      <p:cBhvr>
+                                        <p:cTn id="16" dur="1" fill="hold">
+                                          <p:stCondLst>
+                                            <p:cond delay="0"/>
+                                          </p:stCondLst>
+                                        </p:cTn>
+                                        <p:tgtEl>
+                                          <p:spTgt spid="89"/>
+                                        </p:tgtEl>
+                                        <p:attrNameLst>
+                                          <p:attrName>style.visibility</p:attrName>
+                                        </p:attrNameLst>
+                                      </p:cBhvr>
+                                      <p:to>
+                                        <p:strVal val="visible"/>
+                                      </p:to>
+                                    </p:set>
+                                    <p:animEffect transition="in" filter="fade">
+                                      <p:cBhvr>
+                                        <p:cTn id="17" dur="1000"/>
+                                        <p:tgtEl>
+                                          <p:spTgt spid="89"/>
+                                        </p:tgtEl>
+                                      </p:cBhvr>
+                                    </p:animEffect>
+                                    <p:anim calcmode="lin" valueType="num">
+                                      <p:cBhvr>
+                                        <p:cTn id="18" dur="1000" fill="hold"/>
+                                        <p:tgtEl>
+                                          <p:spTgt spid="89"/>
+                                        </p:tgtEl>
+                                        <p:attrNameLst>
+                                          <p:attrName>ppt_x</p:attrName>
+                                        </p:attrNameLst>
+                                      </p:cBhvr>
+                                      <p:tavLst>
+                                        <p:tav tm="0">
+                                          <p:val>
+                                            <p:strVal val="#ppt_x"/>
+                                          </p:val>
+                                        </p:tav>
+                                        <p:tav tm="100000">
+                                          <p:val>
+                                            <p:strVal val="#ppt_x"/>
+                                          </p:val>
+                                        </p:tav>
+                                      </p:tavLst>
+                                    </p:anim>
+                                    <p:anim calcmode="lin" valueType="num">
+                                      <p:cBhvr>
+                                        <p:cTn id="19" dur="1000" fill="hold"/>
+                                        <p:tgtEl>
+                                          <p:spTgt spid="89"/>
+                                        </p:tgtEl>
+                                        <p:attrNameLst>
+                                          <p:attrName>ppt_y</p:attrName>
+                                        </p:attrNameLst>
+                                      </p:cBhvr>
+                                      <p:tavLst>
+                                        <p:tav tm="0">
+                                          <p:val>
+                                            <p:strVal val="#ppt_y+.1"/>
+                                          </p:val>
+                                        </p:tav>
+                                        <p:tav tm="100000">
+                                          <p:val>
+                                            <p:strVal val="#ppt_y"/>
+                                          </p:val>
+                                        </p:tav>
+                                      </p:tavLst>
+                                    </p:anim>
+                                  </p:childTnLst>
+                                </p:cTn>
+                              </p:par>
+                              <p:par>
+                                <p:cTn id="20" presetID="42" presetClass="entr" presetSubtype="0" fill="hold" grpId="0" nodeType="withEffect">
+                                  <p:stCondLst>
+                                    <p:cond delay="0"/>
+                                  </p:stCondLst>
+                                  <p:childTnLst>
+                                    <p:set>
+                                      <p:cBhvr>
+                                        <p:cTn id="21" dur="1" fill="hold">
+                                          <p:stCondLst>
+                                            <p:cond delay="0"/>
+                                          </p:stCondLst>
+                                        </p:cTn>
+                                        <p:tgtEl>
+                                          <p:spTgt spid="205"/>
+                                        </p:tgtEl>
+                                        <p:attrNameLst>
+                                          <p:attrName>style.visibility</p:attrName>
+                                        </p:attrNameLst>
+                                      </p:cBhvr>
+                                      <p:to>
+                                        <p:strVal val="visible"/>
+                                      </p:to>
+                                    </p:set>
+                                    <p:animEffect transition="in" filter="fade">
+                                      <p:cBhvr>
+                                        <p:cTn id="22" dur="1000"/>
+                                        <p:tgtEl>
+                                          <p:spTgt spid="205"/>
+                                        </p:tgtEl>
+                                      </p:cBhvr>
+                                    </p:animEffect>
+                                    <p:anim calcmode="lin" valueType="num">
+                                      <p:cBhvr>
+                                        <p:cTn id="23" dur="1000" fill="hold"/>
+                                        <p:tgtEl>
+                                          <p:spTgt spid="205"/>
+                                        </p:tgtEl>
+                                        <p:attrNameLst>
+                                          <p:attrName>ppt_x</p:attrName>
+                                        </p:attrNameLst>
+                                      </p:cBhvr>
+                                      <p:tavLst>
+                                        <p:tav tm="0">
+                                          <p:val>
+                                            <p:strVal val="#ppt_x"/>
+                                          </p:val>
+                                        </p:tav>
+                                        <p:tav tm="100000">
+                                          <p:val>
+                                            <p:strVal val="#ppt_x"/>
+                                          </p:val>
+                                        </p:tav>
+                                      </p:tavLst>
+                                    </p:anim>
+                                    <p:anim calcmode="lin" valueType="num">
+                                      <p:cBhvr>
+                                        <p:cTn id="24" dur="1000" fill="hold"/>
+                                        <p:tgtEl>
+                                          <p:spTgt spid="205"/>
+                                        </p:tgtEl>
+                                        <p:attrNameLst>
+                                          <p:attrName>ppt_y</p:attrName>
+                                        </p:attrNameLst>
+                                      </p:cBhvr>
+                                      <p:tavLst>
+                                        <p:tav tm="0">
+                                          <p:val>
+                                            <p:strVal val="#ppt_y+.1"/>
+                                          </p:val>
+                                        </p:tav>
+                                        <p:tav tm="100000">
+                                          <p:val>
+                                            <p:strVal val="#ppt_y"/>
+                                          </p:val>
+                                        </p:tav>
+                                      </p:tavLst>
+                                    </p:anim>
+                                  </p:childTnLst>
+                                </p:cTn>
+                              </p:par>
+                            </p:childTnLst>
+                          </p:cTn>
+                        </p:par>
+                      </p:childTnLst>
+                    </p:cTn>
+                  </p:par>
+                </p:childTnLst>
+              </p:cTn>
+              <p:prevCondLst>
+                <p:cond evt="onPrev" delay="0">
+                  <p:tgtEl>
+                    <p:sldTgt/>
+                  </p:tgtEl>
+                </p:cond>
+              </p:prevCondLst>
+              <p:nextCondLst>
+                <p:cond evt="onNext" delay="0">
+                  <p:tgtEl>
+                    <p:sldTgt/>
+                  </p:tgtEl>
+                </p:cond>
+              </p:nextCondLst>
+            </p:seq>
+          </p:childTnLst>
+        </p:cTn>
       </p:par>
     </p:tnLst>
+    <p:bldLst>
+      <p:bldP spid="205" grpId="0" animBg="1"/>
+      <p:bldP spid="206" grpId="0" animBg="1"/>
+      <p:bldP spid="207" grpId="0" animBg="1"/>
+      <p:bldP spid="89" grpId="0" animBg="1"/>
+    </p:bldLst>
   </p:timing>
 </p:sld>
 </file>
@@ -33416,6 +34227,18 @@
   <p:clrMapOvr>
     <a:masterClrMapping/>
   </p:clrMapOvr>
+  <mc:AlternateContent xmlns:mc="http://schemas.openxmlformats.org/markup-compatibility/2006">
+    <mc:Choice xmlns:p14="http://schemas.microsoft.com/office/powerpoint/2010/main" Requires="p14">
+      <p:transition spd="slow" p14:dur="1600">
+        <p14:prism isInverted="1"/>
+      </p:transition>
+    </mc:Choice>
+    <mc:Fallback>
+      <p:transition spd="slow">
+        <p:fade/>
+      </p:transition>
+    </mc:Fallback>
+  </mc:AlternateContent>
   <p:timing>
     <p:tnLst>
       <p:par>
@@ -45829,12 +46652,398 @@
   <p:clrMapOvr>
     <a:masterClrMapping/>
   </p:clrMapOvr>
+  <mc:AlternateContent xmlns:mc="http://schemas.openxmlformats.org/markup-compatibility/2006">
+    <mc:Choice xmlns:p14="http://schemas.microsoft.com/office/powerpoint/2010/main" Requires="p14">
+      <p:transition spd="slow" p14:dur="1500">
+        <p14:window dir="vert"/>
+      </p:transition>
+    </mc:Choice>
+    <mc:Fallback>
+      <p:transition spd="slow">
+        <p:fade/>
+      </p:transition>
+    </mc:Fallback>
+  </mc:AlternateContent>
   <p:timing>
     <p:tnLst>
       <p:par>
-        <p:cTn id="1" dur="indefinite" restart="never" nodeType="tmRoot"/>
+        <p:cTn id="1" dur="indefinite" restart="never" nodeType="tmRoot">
+          <p:childTnLst>
+            <p:seq concurrent="1" nextAc="seek">
+              <p:cTn id="2" dur="indefinite" nodeType="mainSeq">
+                <p:childTnLst>
+                  <p:par>
+                    <p:cTn id="3" fill="hold">
+                      <p:stCondLst>
+                        <p:cond delay="indefinite"/>
+                        <p:cond evt="onBegin" delay="0">
+                          <p:tn val="2"/>
+                        </p:cond>
+                      </p:stCondLst>
+                      <p:childTnLst>
+                        <p:par>
+                          <p:cTn id="4" fill="hold">
+                            <p:stCondLst>
+                              <p:cond delay="0"/>
+                            </p:stCondLst>
+                            <p:childTnLst>
+                              <p:par>
+                                <p:cTn id="5" presetID="42" presetClass="entr" presetSubtype="0" fill="hold" grpId="0" nodeType="withEffect">
+                                  <p:stCondLst>
+                                    <p:cond delay="0"/>
+                                  </p:stCondLst>
+                                  <p:childTnLst>
+                                    <p:set>
+                                      <p:cBhvr>
+                                        <p:cTn id="6" dur="1" fill="hold">
+                                          <p:stCondLst>
+                                            <p:cond delay="0"/>
+                                          </p:stCondLst>
+                                        </p:cTn>
+                                        <p:tgtEl>
+                                          <p:spTgt spid="206"/>
+                                        </p:tgtEl>
+                                        <p:attrNameLst>
+                                          <p:attrName>style.visibility</p:attrName>
+                                        </p:attrNameLst>
+                                      </p:cBhvr>
+                                      <p:to>
+                                        <p:strVal val="visible"/>
+                                      </p:to>
+                                    </p:set>
+                                    <p:animEffect transition="in" filter="fade">
+                                      <p:cBhvr>
+                                        <p:cTn id="7" dur="1000"/>
+                                        <p:tgtEl>
+                                          <p:spTgt spid="206"/>
+                                        </p:tgtEl>
+                                      </p:cBhvr>
+                                    </p:animEffect>
+                                    <p:anim calcmode="lin" valueType="num">
+                                      <p:cBhvr>
+                                        <p:cTn id="8" dur="1000" fill="hold"/>
+                                        <p:tgtEl>
+                                          <p:spTgt spid="206"/>
+                                        </p:tgtEl>
+                                        <p:attrNameLst>
+                                          <p:attrName>ppt_x</p:attrName>
+                                        </p:attrNameLst>
+                                      </p:cBhvr>
+                                      <p:tavLst>
+                                        <p:tav tm="0">
+                                          <p:val>
+                                            <p:strVal val="#ppt_x"/>
+                                          </p:val>
+                                        </p:tav>
+                                        <p:tav tm="100000">
+                                          <p:val>
+                                            <p:strVal val="#ppt_x"/>
+                                          </p:val>
+                                        </p:tav>
+                                      </p:tavLst>
+                                    </p:anim>
+                                    <p:anim calcmode="lin" valueType="num">
+                                      <p:cBhvr>
+                                        <p:cTn id="9" dur="1000" fill="hold"/>
+                                        <p:tgtEl>
+                                          <p:spTgt spid="206"/>
+                                        </p:tgtEl>
+                                        <p:attrNameLst>
+                                          <p:attrName>ppt_y</p:attrName>
+                                        </p:attrNameLst>
+                                      </p:cBhvr>
+                                      <p:tavLst>
+                                        <p:tav tm="0">
+                                          <p:val>
+                                            <p:strVal val="#ppt_y+.1"/>
+                                          </p:val>
+                                        </p:tav>
+                                        <p:tav tm="100000">
+                                          <p:val>
+                                            <p:strVal val="#ppt_y"/>
+                                          </p:val>
+                                        </p:tav>
+                                      </p:tavLst>
+                                    </p:anim>
+                                  </p:childTnLst>
+                                </p:cTn>
+                              </p:par>
+                              <p:par>
+                                <p:cTn id="10" presetID="42" presetClass="entr" presetSubtype="0" fill="hold" grpId="0" nodeType="withEffect">
+                                  <p:stCondLst>
+                                    <p:cond delay="0"/>
+                                  </p:stCondLst>
+                                  <p:childTnLst>
+                                    <p:set>
+                                      <p:cBhvr>
+                                        <p:cTn id="11" dur="1" fill="hold">
+                                          <p:stCondLst>
+                                            <p:cond delay="0"/>
+                                          </p:stCondLst>
+                                        </p:cTn>
+                                        <p:tgtEl>
+                                          <p:spTgt spid="207"/>
+                                        </p:tgtEl>
+                                        <p:attrNameLst>
+                                          <p:attrName>style.visibility</p:attrName>
+                                        </p:attrNameLst>
+                                      </p:cBhvr>
+                                      <p:to>
+                                        <p:strVal val="visible"/>
+                                      </p:to>
+                                    </p:set>
+                                    <p:animEffect transition="in" filter="fade">
+                                      <p:cBhvr>
+                                        <p:cTn id="12" dur="1000"/>
+                                        <p:tgtEl>
+                                          <p:spTgt spid="207"/>
+                                        </p:tgtEl>
+                                      </p:cBhvr>
+                                    </p:animEffect>
+                                    <p:anim calcmode="lin" valueType="num">
+                                      <p:cBhvr>
+                                        <p:cTn id="13" dur="1000" fill="hold"/>
+                                        <p:tgtEl>
+                                          <p:spTgt spid="207"/>
+                                        </p:tgtEl>
+                                        <p:attrNameLst>
+                                          <p:attrName>ppt_x</p:attrName>
+                                        </p:attrNameLst>
+                                      </p:cBhvr>
+                                      <p:tavLst>
+                                        <p:tav tm="0">
+                                          <p:val>
+                                            <p:strVal val="#ppt_x"/>
+                                          </p:val>
+                                        </p:tav>
+                                        <p:tav tm="100000">
+                                          <p:val>
+                                            <p:strVal val="#ppt_x"/>
+                                          </p:val>
+                                        </p:tav>
+                                      </p:tavLst>
+                                    </p:anim>
+                                    <p:anim calcmode="lin" valueType="num">
+                                      <p:cBhvr>
+                                        <p:cTn id="14" dur="1000" fill="hold"/>
+                                        <p:tgtEl>
+                                          <p:spTgt spid="207"/>
+                                        </p:tgtEl>
+                                        <p:attrNameLst>
+                                          <p:attrName>ppt_y</p:attrName>
+                                        </p:attrNameLst>
+                                      </p:cBhvr>
+                                      <p:tavLst>
+                                        <p:tav tm="0">
+                                          <p:val>
+                                            <p:strVal val="#ppt_y+.1"/>
+                                          </p:val>
+                                        </p:tav>
+                                        <p:tav tm="100000">
+                                          <p:val>
+                                            <p:strVal val="#ppt_y"/>
+                                          </p:val>
+                                        </p:tav>
+                                      </p:tavLst>
+                                    </p:anim>
+                                  </p:childTnLst>
+                                </p:cTn>
+                              </p:par>
+                              <p:par>
+                                <p:cTn id="15" presetID="42" presetClass="entr" presetSubtype="0" fill="hold" grpId="0" nodeType="withEffect">
+                                  <p:stCondLst>
+                                    <p:cond delay="0"/>
+                                  </p:stCondLst>
+                                  <p:childTnLst>
+                                    <p:set>
+                                      <p:cBhvr>
+                                        <p:cTn id="16" dur="1" fill="hold">
+                                          <p:stCondLst>
+                                            <p:cond delay="0"/>
+                                          </p:stCondLst>
+                                        </p:cTn>
+                                        <p:tgtEl>
+                                          <p:spTgt spid="89"/>
+                                        </p:tgtEl>
+                                        <p:attrNameLst>
+                                          <p:attrName>style.visibility</p:attrName>
+                                        </p:attrNameLst>
+                                      </p:cBhvr>
+                                      <p:to>
+                                        <p:strVal val="visible"/>
+                                      </p:to>
+                                    </p:set>
+                                    <p:animEffect transition="in" filter="fade">
+                                      <p:cBhvr>
+                                        <p:cTn id="17" dur="1000"/>
+                                        <p:tgtEl>
+                                          <p:spTgt spid="89"/>
+                                        </p:tgtEl>
+                                      </p:cBhvr>
+                                    </p:animEffect>
+                                    <p:anim calcmode="lin" valueType="num">
+                                      <p:cBhvr>
+                                        <p:cTn id="18" dur="1000" fill="hold"/>
+                                        <p:tgtEl>
+                                          <p:spTgt spid="89"/>
+                                        </p:tgtEl>
+                                        <p:attrNameLst>
+                                          <p:attrName>ppt_x</p:attrName>
+                                        </p:attrNameLst>
+                                      </p:cBhvr>
+                                      <p:tavLst>
+                                        <p:tav tm="0">
+                                          <p:val>
+                                            <p:strVal val="#ppt_x"/>
+                                          </p:val>
+                                        </p:tav>
+                                        <p:tav tm="100000">
+                                          <p:val>
+                                            <p:strVal val="#ppt_x"/>
+                                          </p:val>
+                                        </p:tav>
+                                      </p:tavLst>
+                                    </p:anim>
+                                    <p:anim calcmode="lin" valueType="num">
+                                      <p:cBhvr>
+                                        <p:cTn id="19" dur="1000" fill="hold"/>
+                                        <p:tgtEl>
+                                          <p:spTgt spid="89"/>
+                                        </p:tgtEl>
+                                        <p:attrNameLst>
+                                          <p:attrName>ppt_y</p:attrName>
+                                        </p:attrNameLst>
+                                      </p:cBhvr>
+                                      <p:tavLst>
+                                        <p:tav tm="0">
+                                          <p:val>
+                                            <p:strVal val="#ppt_y+.1"/>
+                                          </p:val>
+                                        </p:tav>
+                                        <p:tav tm="100000">
+                                          <p:val>
+                                            <p:strVal val="#ppt_y"/>
+                                          </p:val>
+                                        </p:tav>
+                                      </p:tavLst>
+                                    </p:anim>
+                                  </p:childTnLst>
+                                </p:cTn>
+                              </p:par>
+                              <p:par>
+                                <p:cTn id="20" presetID="42" presetClass="entr" presetSubtype="0" fill="hold" grpId="0" nodeType="withEffect">
+                                  <p:stCondLst>
+                                    <p:cond delay="0"/>
+                                  </p:stCondLst>
+                                  <p:childTnLst>
+                                    <p:set>
+                                      <p:cBhvr>
+                                        <p:cTn id="21" dur="1" fill="hold">
+                                          <p:stCondLst>
+                                            <p:cond delay="0"/>
+                                          </p:stCondLst>
+                                        </p:cTn>
+                                        <p:tgtEl>
+                                          <p:spTgt spid="205"/>
+                                        </p:tgtEl>
+                                        <p:attrNameLst>
+                                          <p:attrName>style.visibility</p:attrName>
+                                        </p:attrNameLst>
+                                      </p:cBhvr>
+                                      <p:to>
+                                        <p:strVal val="visible"/>
+                                      </p:to>
+                                    </p:set>
+                                    <p:animEffect transition="in" filter="fade">
+                                      <p:cBhvr>
+                                        <p:cTn id="22" dur="1000"/>
+                                        <p:tgtEl>
+                                          <p:spTgt spid="205"/>
+                                        </p:tgtEl>
+                                      </p:cBhvr>
+                                    </p:animEffect>
+                                    <p:anim calcmode="lin" valueType="num">
+                                      <p:cBhvr>
+                                        <p:cTn id="23" dur="1000" fill="hold"/>
+                                        <p:tgtEl>
+                                          <p:spTgt spid="205"/>
+                                        </p:tgtEl>
+                                        <p:attrNameLst>
+                                          <p:attrName>ppt_x</p:attrName>
+                                        </p:attrNameLst>
+                                      </p:cBhvr>
+                                      <p:tavLst>
+                                        <p:tav tm="0">
+                                          <p:val>
+                                            <p:strVal val="#ppt_x"/>
+                                          </p:val>
+                                        </p:tav>
+                                        <p:tav tm="100000">
+                                          <p:val>
+                                            <p:strVal val="#ppt_x"/>
+                                          </p:val>
+                                        </p:tav>
+                                      </p:tavLst>
+                                    </p:anim>
+                                    <p:anim calcmode="lin" valueType="num">
+                                      <p:cBhvr>
+                                        <p:cTn id="24" dur="1000" fill="hold"/>
+                                        <p:tgtEl>
+                                          <p:spTgt spid="205"/>
+                                        </p:tgtEl>
+                                        <p:attrNameLst>
+                                          <p:attrName>ppt_y</p:attrName>
+                                        </p:attrNameLst>
+                                      </p:cBhvr>
+                                      <p:tavLst>
+                                        <p:tav tm="0">
+                                          <p:val>
+                                            <p:strVal val="#ppt_y+.1"/>
+                                          </p:val>
+                                        </p:tav>
+                                        <p:tav tm="100000">
+                                          <p:val>
+                                            <p:strVal val="#ppt_y"/>
+                                          </p:val>
+                                        </p:tav>
+                                      </p:tavLst>
+                                    </p:anim>
+                                  </p:childTnLst>
+                                </p:cTn>
+                              </p:par>
+                            </p:childTnLst>
+                          </p:cTn>
+                        </p:par>
+                      </p:childTnLst>
+                    </p:cTn>
+                  </p:par>
+                </p:childTnLst>
+              </p:cTn>
+              <p:prevCondLst>
+                <p:cond evt="onPrev" delay="0">
+                  <p:tgtEl>
+                    <p:sldTgt/>
+                  </p:tgtEl>
+                </p:cond>
+              </p:prevCondLst>
+              <p:nextCondLst>
+                <p:cond evt="onNext" delay="0">
+                  <p:tgtEl>
+                    <p:sldTgt/>
+                  </p:tgtEl>
+                </p:cond>
+              </p:nextCondLst>
+            </p:seq>
+          </p:childTnLst>
+        </p:cTn>
       </p:par>
     </p:tnLst>
+    <p:bldLst>
+      <p:bldP spid="205" grpId="0" animBg="1"/>
+      <p:bldP spid="206" grpId="0" animBg="1"/>
+      <p:bldP spid="207" grpId="0" animBg="1"/>
+      <p:bldP spid="89" grpId="0" animBg="1"/>
+    </p:bldLst>
   </p:timing>
 </p:sld>
 </file>
@@ -46548,11 +47757,7 @@
             </a:r>
             <a:r>
               <a:rPr lang="en-US" sz="1400" dirty="0"/>
-              <a:t>ACID transactional guarantee. </a:t>
-            </a:r>
-            <a:r>
-              <a:rPr lang="en-US" sz="1400" dirty="0"/>
-              <a:t>In terms of CAP, it offers immediate Consistency as a single Server.</a:t>
+              <a:t>ACID transactional guarantee. In terms of CAP, it offers immediate Consistency as a single Server.</a:t>
             </a:r>
           </a:p>
           <a:p>
@@ -46805,6 +48010,18 @@
   <p:clrMapOvr>
     <a:masterClrMapping/>
   </p:clrMapOvr>
+  <mc:AlternateContent xmlns:mc="http://schemas.openxmlformats.org/markup-compatibility/2006">
+    <mc:Choice xmlns:p14="http://schemas.microsoft.com/office/powerpoint/2010/main" Requires="p14">
+      <p:transition spd="slow" p14:dur="2000">
+        <p14:ferris dir="l"/>
+      </p:transition>
+    </mc:Choice>
+    <mc:Fallback>
+      <p:transition spd="slow">
+        <p:fade/>
+      </p:transition>
+    </mc:Fallback>
+  </mc:AlternateContent>
   <p:timing>
     <p:tnLst>
       <p:par>
@@ -47002,6 +48219,9 @@
   <p:clrMapOvr>
     <a:masterClrMapping/>
   </p:clrMapOvr>
+  <p:transition spd="slow">
+    <p:comb/>
+  </p:transition>
   <p:timing>
     <p:tnLst>
       <p:par>
@@ -47092,6 +48312,18 @@
   <p:clrMapOvr>
     <a:masterClrMapping/>
   </p:clrMapOvr>
+  <mc:AlternateContent xmlns:mc="http://schemas.openxmlformats.org/markup-compatibility/2006">
+    <mc:Choice xmlns:p14="http://schemas.microsoft.com/office/powerpoint/2010/main" Requires="p14">
+      <p:transition spd="slow" p14:dur="1600">
+        <p14:prism isContent="1" isInverted="1"/>
+      </p:transition>
+    </mc:Choice>
+    <mc:Fallback>
+      <p:transition spd="slow">
+        <p:fade/>
+      </p:transition>
+    </mc:Fallback>
+  </mc:AlternateContent>
   <p:timing>
     <p:tnLst>
       <p:par>
